--- a/Detailed_Telecom_Analytics_Presentation.pptx
+++ b/Detailed_Telecom_Analytics_Presentation.pptx
@@ -7,15 +7,15 @@
   <p:sldIdLst>
     <p:sldId id="256" r:id="rId2"/>
     <p:sldId id="257" r:id="rId3"/>
-    <p:sldId id="258" r:id="rId4"/>
-    <p:sldId id="259" r:id="rId5"/>
-    <p:sldId id="276" r:id="rId6"/>
-    <p:sldId id="277" r:id="rId7"/>
-    <p:sldId id="260" r:id="rId8"/>
-    <p:sldId id="278" r:id="rId9"/>
-    <p:sldId id="279" r:id="rId10"/>
-    <p:sldId id="261" r:id="rId11"/>
-    <p:sldId id="262" r:id="rId12"/>
+    <p:sldId id="259" r:id="rId4"/>
+    <p:sldId id="277" r:id="rId5"/>
+    <p:sldId id="260" r:id="rId6"/>
+    <p:sldId id="261" r:id="rId7"/>
+    <p:sldId id="280" r:id="rId8"/>
+    <p:sldId id="279" r:id="rId9"/>
+    <p:sldId id="262" r:id="rId10"/>
+    <p:sldId id="282" r:id="rId11"/>
+    <p:sldId id="283" r:id="rId12"/>
     <p:sldId id="263" r:id="rId13"/>
     <p:sldId id="264" r:id="rId14"/>
     <p:sldId id="265" r:id="rId15"/>
@@ -23,12 +23,9 @@
     <p:sldId id="267" r:id="rId17"/>
     <p:sldId id="268" r:id="rId18"/>
     <p:sldId id="269" r:id="rId19"/>
-    <p:sldId id="270" r:id="rId20"/>
-    <p:sldId id="271" r:id="rId21"/>
-    <p:sldId id="272" r:id="rId22"/>
-    <p:sldId id="273" r:id="rId23"/>
-    <p:sldId id="274" r:id="rId24"/>
-    <p:sldId id="275" r:id="rId25"/>
+    <p:sldId id="271" r:id="rId20"/>
+    <p:sldId id="272" r:id="rId21"/>
+    <p:sldId id="275" r:id="rId22"/>
   </p:sldIdLst>
   <p:sldSz cx="9144000" cy="6858000" type="screen4x3"/>
   <p:notesSz cx="6858000" cy="9144000"/>
@@ -13731,56 +13728,105 @@
         </p:nvSpPr>
         <p:spPr/>
         <p:txBody>
-          <a:bodyPr/>
+          <a:bodyPr>
+            <a:normAutofit fontScale="90000"/>
+          </a:bodyPr>
           <a:lstStyle/>
           <a:p>
             <a:r>
-              <a:t>Task 1.2: EDA &amp; Initial Insights</a:t>
+              <a:t>Task 2: User Engagement Analysis</a:t>
             </a:r>
           </a:p>
         </p:txBody>
       </p:sp>
-      <p:sp>
-        <p:nvSpPr>
-          <p:cNvPr id="3" name="Content Placeholder 2"/>
-          <p:cNvSpPr>
-            <a:spLocks noGrp="1"/>
-          </p:cNvSpPr>
-          <p:nvPr>
-            <p:ph idx="1"/>
-          </p:nvPr>
-        </p:nvSpPr>
-        <p:spPr/>
-        <p:txBody>
-          <a:bodyPr/>
-          <a:lstStyle/>
-          <a:p>
-            <a:r>
-              <a:t>📈 Performed univariate &amp; bivariate analysis.</a:t>
-            </a:r>
-          </a:p>
-          <a:p>
-            <a:r>
-              <a:t>- Treated missing/outliers via column means.</a:t>
-            </a:r>
-          </a:p>
-          <a:p>
-            <a:r>
-              <a:t>- High correlation between social media/video and total traffic.</a:t>
-            </a:r>
-          </a:p>
-          <a:p>
-            <a:r>
-              <a:t>- PCA revealed 2 dimensions capture most variance.</a:t>
-            </a:r>
-          </a:p>
-        </p:txBody>
-      </p:sp>
+      <p:pic>
+        <p:nvPicPr>
+          <p:cNvPr id="3" name="Picture 2"/>
+          <p:cNvPicPr>
+            <a:picLocks noChangeAspect="1"/>
+          </p:cNvPicPr>
+          <p:nvPr/>
+        </p:nvPicPr>
+        <p:blipFill>
+          <a:blip r:embed="rId2"/>
+          <a:stretch>
+            <a:fillRect/>
+          </a:stretch>
+        </p:blipFill>
+        <p:spPr>
+          <a:xfrm>
+            <a:off x="217729" y="2293442"/>
+            <a:ext cx="4304646" cy="3047236"/>
+          </a:xfrm>
+          <a:prstGeom prst="rect">
+            <a:avLst/>
+          </a:prstGeom>
+          <a:ln w="88900" cap="sq" cmpd="thickThin">
+            <a:solidFill>
+              <a:srgbClr val="000000"/>
+            </a:solidFill>
+            <a:prstDash val="solid"/>
+            <a:miter lim="800000"/>
+          </a:ln>
+          <a:effectLst>
+            <a:innerShdw blurRad="76200">
+              <a:srgbClr val="000000"/>
+            </a:innerShdw>
+          </a:effectLst>
+        </p:spPr>
+      </p:pic>
+      <p:pic>
+        <p:nvPicPr>
+          <p:cNvPr id="4" name="Picture 3"/>
+          <p:cNvPicPr>
+            <a:picLocks noChangeAspect="1"/>
+          </p:cNvPicPr>
+          <p:nvPr/>
+        </p:nvPicPr>
+        <p:blipFill rotWithShape="1">
+          <a:blip r:embed="rId3"/>
+          <a:srcRect r="6343"/>
+          <a:stretch/>
+        </p:blipFill>
+        <p:spPr>
+          <a:xfrm>
+            <a:off x="4736980" y="2293442"/>
+            <a:ext cx="4208464" cy="3047236"/>
+          </a:xfrm>
+          <a:prstGeom prst="rect">
+            <a:avLst/>
+          </a:prstGeom>
+          <a:ln w="88900" cap="sq" cmpd="thickThin">
+            <a:solidFill>
+              <a:srgbClr val="000000"/>
+            </a:solidFill>
+            <a:prstDash val="solid"/>
+            <a:miter lim="800000"/>
+          </a:ln>
+          <a:effectLst>
+            <a:innerShdw blurRad="76200">
+              <a:srgbClr val="000000"/>
+            </a:innerShdw>
+          </a:effectLst>
+        </p:spPr>
+      </p:pic>
     </p:spTree>
+    <p:extLst>
+      <p:ext uri="{BB962C8B-B14F-4D97-AF65-F5344CB8AC3E}">
+        <p14:creationId xmlns:p14="http://schemas.microsoft.com/office/powerpoint/2010/main" val="1072586023"/>
+      </p:ext>
+    </p:extLst>
   </p:cSld>
   <p:clrMapOvr>
     <a:masterClrMapping/>
   </p:clrMapOvr>
+  <p:timing>
+    <p:tnLst>
+      <p:par>
+        <p:cTn id="1" dur="indefinite" restart="never" nodeType="tmRoot"/>
+      </p:par>
+    </p:tnLst>
+  </p:timing>
 </p:sld>
 </file>
 
@@ -13824,42 +13870,94 @@
           </a:p>
         </p:txBody>
       </p:sp>
-      <p:sp>
-        <p:nvSpPr>
-          <p:cNvPr id="3" name="Content Placeholder 2"/>
-          <p:cNvSpPr>
-            <a:spLocks noGrp="1"/>
-          </p:cNvSpPr>
-          <p:nvPr>
-            <p:ph idx="1"/>
-          </p:nvPr>
-        </p:nvSpPr>
-        <p:spPr/>
-        <p:txBody>
-          <a:bodyPr/>
-          <a:lstStyle/>
-          <a:p>
-            <a:r>
-              <a:t>📊 Tracked per-user session count, duration, and traffic.</a:t>
-            </a:r>
-          </a:p>
-          <a:p>
-            <a:r>
-              <a:t>- Clustered users into 3 groups (High, Medium, Low Engagement).</a:t>
-            </a:r>
-          </a:p>
-          <a:p>
-            <a:r>
-              <a:t>- App-wise usage revealed YouTube and Netflix are top traffic drivers.</a:t>
-            </a:r>
-          </a:p>
-        </p:txBody>
-      </p:sp>
+      <p:pic>
+        <p:nvPicPr>
+          <p:cNvPr id="5" name="Picture 4"/>
+          <p:cNvPicPr>
+            <a:picLocks noChangeAspect="1"/>
+          </p:cNvPicPr>
+          <p:nvPr/>
+        </p:nvPicPr>
+        <p:blipFill rotWithShape="1">
+          <a:blip r:embed="rId2"/>
+          <a:srcRect l="1666" t="1769" r="36363" b="693"/>
+          <a:stretch/>
+        </p:blipFill>
+        <p:spPr>
+          <a:xfrm>
+            <a:off x="634483" y="2304662"/>
+            <a:ext cx="4674635" cy="4260247"/>
+          </a:xfrm>
+          <a:prstGeom prst="rect">
+            <a:avLst/>
+          </a:prstGeom>
+          <a:ln w="88900" cap="sq" cmpd="thickThin">
+            <a:solidFill>
+              <a:srgbClr val="000000"/>
+            </a:solidFill>
+            <a:prstDash val="solid"/>
+            <a:miter lim="800000"/>
+          </a:ln>
+          <a:effectLst>
+            <a:innerShdw blurRad="76200">
+              <a:srgbClr val="000000"/>
+            </a:innerShdw>
+          </a:effectLst>
+        </p:spPr>
+      </p:pic>
+      <p:pic>
+        <p:nvPicPr>
+          <p:cNvPr id="6" name="Picture 5"/>
+          <p:cNvPicPr>
+            <a:picLocks noChangeAspect="1"/>
+          </p:cNvPicPr>
+          <p:nvPr/>
+        </p:nvPicPr>
+        <p:blipFill>
+          <a:blip r:embed="rId3"/>
+          <a:stretch>
+            <a:fillRect/>
+          </a:stretch>
+        </p:blipFill>
+        <p:spPr>
+          <a:xfrm>
+            <a:off x="3255123" y="3009622"/>
+            <a:ext cx="5768840" cy="1044030"/>
+          </a:xfrm>
+          <a:prstGeom prst="rect">
+            <a:avLst/>
+          </a:prstGeom>
+          <a:ln w="88900" cap="sq" cmpd="thickThin">
+            <a:solidFill>
+              <a:srgbClr val="000000"/>
+            </a:solidFill>
+            <a:prstDash val="solid"/>
+            <a:miter lim="800000"/>
+          </a:ln>
+          <a:effectLst>
+            <a:innerShdw blurRad="76200">
+              <a:srgbClr val="000000"/>
+            </a:innerShdw>
+          </a:effectLst>
+        </p:spPr>
+      </p:pic>
     </p:spTree>
+    <p:extLst>
+      <p:ext uri="{BB962C8B-B14F-4D97-AF65-F5344CB8AC3E}">
+        <p14:creationId xmlns:p14="http://schemas.microsoft.com/office/powerpoint/2010/main" val="3915559802"/>
+      </p:ext>
+    </p:extLst>
   </p:cSld>
   <p:clrMapOvr>
     <a:masterClrMapping/>
   </p:clrMapOvr>
+  <p:timing>
+    <p:tnLst>
+      <p:par>
+        <p:cTn id="1" dur="indefinite" restart="never" nodeType="tmRoot"/>
+      </p:par>
+    </p:tnLst>
+  </p:timing>
 </p:sld>
 </file>
 
@@ -13913,32 +14011,83 @@
             <p:ph idx="1"/>
           </p:nvPr>
         </p:nvSpPr>
-        <p:spPr/>
+        <p:spPr>
+          <a:xfrm>
+            <a:off x="369860" y="2162628"/>
+            <a:ext cx="6345260" cy="3530600"/>
+          </a:xfrm>
+        </p:spPr>
         <p:txBody>
           <a:bodyPr/>
           <a:lstStyle/>
           <a:p>
             <a:r>
+              <a:rPr dirty="0"/>
               <a:t>📡 Aggregated per-user:</a:t>
             </a:r>
           </a:p>
           <a:p>
             <a:r>
+              <a:rPr dirty="0"/>
               <a:t>- Avg. TCP retransmission, RTT, throughput, handset type</a:t>
             </a:r>
           </a:p>
           <a:p>
             <a:r>
+              <a:rPr dirty="0"/>
               <a:t>- Handled missing/outliers using mean/mode.</a:t>
             </a:r>
           </a:p>
         </p:txBody>
       </p:sp>
+      <p:pic>
+        <p:nvPicPr>
+          <p:cNvPr id="4" name="Picture 3"/>
+          <p:cNvPicPr>
+            <a:picLocks noChangeAspect="1"/>
+          </p:cNvPicPr>
+          <p:nvPr/>
+        </p:nvPicPr>
+        <p:blipFill>
+          <a:blip r:embed="rId2"/>
+          <a:stretch>
+            <a:fillRect/>
+          </a:stretch>
+        </p:blipFill>
+        <p:spPr>
+          <a:xfrm>
+            <a:off x="865970" y="4025530"/>
+            <a:ext cx="7110076" cy="1882303"/>
+          </a:xfrm>
+          <a:prstGeom prst="rect">
+            <a:avLst/>
+          </a:prstGeom>
+          <a:ln w="88900" cap="sq" cmpd="thickThin">
+            <a:solidFill>
+              <a:srgbClr val="000000"/>
+            </a:solidFill>
+            <a:prstDash val="solid"/>
+            <a:miter lim="800000"/>
+          </a:ln>
+          <a:effectLst>
+            <a:innerShdw blurRad="76200">
+              <a:srgbClr val="000000"/>
+            </a:innerShdw>
+          </a:effectLst>
+        </p:spPr>
+      </p:pic>
     </p:spTree>
   </p:cSld>
   <p:clrMapOvr>
     <a:masterClrMapping/>
   </p:clrMapOvr>
+  <p:timing>
+    <p:tnLst>
+      <p:par>
+        <p:cTn id="1" dur="indefinite" restart="never" nodeType="tmRoot"/>
+      </p:par>
+    </p:tnLst>
+  </p:timing>
 </p:sld>
 </file>
 
@@ -14008,11 +14157,54 @@
           </a:p>
         </p:txBody>
       </p:sp>
+      <p:pic>
+        <p:nvPicPr>
+          <p:cNvPr id="4" name="Picture 3"/>
+          <p:cNvPicPr>
+            <a:picLocks noChangeAspect="1"/>
+          </p:cNvPicPr>
+          <p:nvPr/>
+        </p:nvPicPr>
+        <p:blipFill>
+          <a:blip r:embed="rId2"/>
+          <a:stretch>
+            <a:fillRect/>
+          </a:stretch>
+        </p:blipFill>
+        <p:spPr>
+          <a:xfrm>
+            <a:off x="1329557" y="3337245"/>
+            <a:ext cx="5985643" cy="3304787"/>
+          </a:xfrm>
+          <a:prstGeom prst="rect">
+            <a:avLst/>
+          </a:prstGeom>
+          <a:ln w="88900" cap="sq" cmpd="thickThin">
+            <a:solidFill>
+              <a:srgbClr val="000000"/>
+            </a:solidFill>
+            <a:prstDash val="solid"/>
+            <a:miter lim="800000"/>
+          </a:ln>
+          <a:effectLst>
+            <a:innerShdw blurRad="76200">
+              <a:srgbClr val="000000"/>
+            </a:innerShdw>
+          </a:effectLst>
+        </p:spPr>
+      </p:pic>
     </p:spTree>
   </p:cSld>
   <p:clrMapOvr>
     <a:masterClrMapping/>
   </p:clrMapOvr>
+  <p:timing>
+    <p:tnLst>
+      <p:par>
+        <p:cTn id="1" dur="indefinite" restart="never" nodeType="tmRoot"/>
+      </p:par>
+    </p:tnLst>
+  </p:timing>
 </p:sld>
 </file>
 
@@ -14066,27 +14258,111 @@
             <p:ph idx="1"/>
           </p:nvPr>
         </p:nvSpPr>
-        <p:spPr/>
+        <p:spPr>
+          <a:xfrm>
+            <a:off x="440188" y="2283926"/>
+            <a:ext cx="6345260" cy="3530600"/>
+          </a:xfrm>
+        </p:spPr>
         <p:txBody>
           <a:bodyPr/>
           <a:lstStyle/>
           <a:p>
             <a:r>
+              <a:rPr dirty="0"/>
               <a:t>📶 Analyzed throughput and TCP retransmission by handset type.</a:t>
             </a:r>
           </a:p>
           <a:p>
             <a:r>
+              <a:rPr dirty="0"/>
               <a:t>- Newer premium phones showed better performance.</a:t>
             </a:r>
           </a:p>
         </p:txBody>
       </p:sp>
+      <p:pic>
+        <p:nvPicPr>
+          <p:cNvPr id="4" name="Picture 3"/>
+          <p:cNvPicPr>
+            <a:picLocks noChangeAspect="1"/>
+          </p:cNvPicPr>
+          <p:nvPr/>
+        </p:nvPicPr>
+        <p:blipFill rotWithShape="1">
+          <a:blip r:embed="rId2"/>
+          <a:srcRect r="1811"/>
+          <a:stretch/>
+        </p:blipFill>
+        <p:spPr>
+          <a:xfrm>
+            <a:off x="253576" y="3648270"/>
+            <a:ext cx="4355746" cy="2170752"/>
+          </a:xfrm>
+          <a:prstGeom prst="rect">
+            <a:avLst/>
+          </a:prstGeom>
+          <a:ln w="88900" cap="sq" cmpd="thickThin">
+            <a:solidFill>
+              <a:srgbClr val="000000"/>
+            </a:solidFill>
+            <a:prstDash val="solid"/>
+            <a:miter lim="800000"/>
+          </a:ln>
+          <a:effectLst>
+            <a:innerShdw blurRad="76200">
+              <a:srgbClr val="000000"/>
+            </a:innerShdw>
+          </a:effectLst>
+        </p:spPr>
+      </p:pic>
+      <p:pic>
+        <p:nvPicPr>
+          <p:cNvPr id="5" name="Picture 4"/>
+          <p:cNvPicPr>
+            <a:picLocks noChangeAspect="1"/>
+          </p:cNvPicPr>
+          <p:nvPr/>
+        </p:nvPicPr>
+        <p:blipFill rotWithShape="1">
+          <a:blip r:embed="rId3"/>
+          <a:srcRect r="3767"/>
+          <a:stretch/>
+        </p:blipFill>
+        <p:spPr>
+          <a:xfrm>
+            <a:off x="4902768" y="3648270"/>
+            <a:ext cx="4186848" cy="2062065"/>
+          </a:xfrm>
+          <a:prstGeom prst="rect">
+            <a:avLst/>
+          </a:prstGeom>
+          <a:ln w="88900" cap="sq" cmpd="thickThin">
+            <a:solidFill>
+              <a:srgbClr val="000000"/>
+            </a:solidFill>
+            <a:prstDash val="solid"/>
+            <a:miter lim="800000"/>
+          </a:ln>
+          <a:effectLst>
+            <a:innerShdw blurRad="76200">
+              <a:srgbClr val="000000"/>
+            </a:innerShdw>
+          </a:effectLst>
+        </p:spPr>
+      </p:pic>
     </p:spTree>
   </p:cSld>
   <p:clrMapOvr>
     <a:masterClrMapping/>
   </p:clrMapOvr>
+  <p:timing>
+    <p:tnLst>
+      <p:par>
+        <p:cTn id="1" dur="indefinite" restart="never" nodeType="tmRoot"/>
+      </p:par>
+    </p:tnLst>
+  </p:timing>
 </p:sld>
 </file>
 
@@ -14138,37 +14414,102 @@
             <p:ph idx="1"/>
           </p:nvPr>
         </p:nvSpPr>
-        <p:spPr/>
+        <p:spPr>
+          <a:xfrm>
+            <a:off x="155255" y="2181290"/>
+            <a:ext cx="6345260" cy="3530600"/>
+          </a:xfrm>
+        </p:spPr>
         <p:txBody>
           <a:bodyPr/>
           <a:lstStyle/>
           <a:p>
             <a:r>
+              <a:rPr dirty="0"/>
               <a:t>🤖 K-Means (k=3) clustered users:</a:t>
             </a:r>
           </a:p>
           <a:p>
             <a:r>
-              <a:t>- Cluster 1: High QoS</a:t>
-            </a:r>
-          </a:p>
-          <a:p>
-            <a:r>
+              <a:rPr dirty="0"/>
+              <a:t>- Cluster 1: High </a:t>
+            </a:r>
+            <a:r>
+              <a:rPr dirty="0" err="1"/>
+              <a:t>QoS</a:t>
+            </a:r>
+            <a:endParaRPr dirty="0"/>
+          </a:p>
+          <a:p>
+            <a:r>
+              <a:rPr dirty="0"/>
               <a:t>- Cluster 2: Average</a:t>
             </a:r>
           </a:p>
           <a:p>
             <a:r>
-              <a:t>- Cluster 3: Poor QoS → prioritize for improvement.</a:t>
+              <a:rPr dirty="0"/>
+              <a:t>- Cluster 3: Poor </a:t>
+            </a:r>
+            <a:r>
+              <a:rPr dirty="0" err="1"/>
+              <a:t>QoS</a:t>
+            </a:r>
+            <a:r>
+              <a:rPr dirty="0"/>
+              <a:t> → prioritize for improvement.</a:t>
             </a:r>
           </a:p>
         </p:txBody>
       </p:sp>
+      <p:pic>
+        <p:nvPicPr>
+          <p:cNvPr id="4" name="Picture 3"/>
+          <p:cNvPicPr>
+            <a:picLocks noChangeAspect="1"/>
+          </p:cNvPicPr>
+          <p:nvPr/>
+        </p:nvPicPr>
+        <p:blipFill>
+          <a:blip r:embed="rId2"/>
+          <a:stretch>
+            <a:fillRect/>
+          </a:stretch>
+        </p:blipFill>
+        <p:spPr>
+          <a:xfrm>
+            <a:off x="2573073" y="3865663"/>
+            <a:ext cx="4536853" cy="2787063"/>
+          </a:xfrm>
+          <a:prstGeom prst="rect">
+            <a:avLst/>
+          </a:prstGeom>
+          <a:ln w="88900" cap="sq" cmpd="thickThin">
+            <a:solidFill>
+              <a:srgbClr val="000000"/>
+            </a:solidFill>
+            <a:prstDash val="solid"/>
+            <a:miter lim="800000"/>
+          </a:ln>
+          <a:effectLst>
+            <a:innerShdw blurRad="76200">
+              <a:srgbClr val="000000"/>
+            </a:innerShdw>
+          </a:effectLst>
+        </p:spPr>
+      </p:pic>
     </p:spTree>
   </p:cSld>
   <p:clrMapOvr>
     <a:masterClrMapping/>
   </p:clrMapOvr>
+  <p:timing>
+    <p:tnLst>
+      <p:par>
+        <p:cTn id="1" dur="indefinite" restart="never" nodeType="tmRoot"/>
+      </p:par>
+    </p:tnLst>
+  </p:timing>
 </p:sld>
 </file>
 
@@ -14241,11 +14582,54 @@
           </a:p>
         </p:txBody>
       </p:sp>
+      <p:pic>
+        <p:nvPicPr>
+          <p:cNvPr id="4" name="Picture 3"/>
+          <p:cNvPicPr>
+            <a:picLocks noChangeAspect="1"/>
+          </p:cNvPicPr>
+          <p:nvPr/>
+        </p:nvPicPr>
+        <p:blipFill>
+          <a:blip r:embed="rId2"/>
+          <a:stretch>
+            <a:fillRect/>
+          </a:stretch>
+        </p:blipFill>
+        <p:spPr>
+          <a:xfrm>
+            <a:off x="1040684" y="4112990"/>
+            <a:ext cx="5159187" cy="2270957"/>
+          </a:xfrm>
+          <a:prstGeom prst="rect">
+            <a:avLst/>
+          </a:prstGeom>
+          <a:ln w="88900" cap="sq" cmpd="thickThin">
+            <a:solidFill>
+              <a:srgbClr val="000000"/>
+            </a:solidFill>
+            <a:prstDash val="solid"/>
+            <a:miter lim="800000"/>
+          </a:ln>
+          <a:effectLst>
+            <a:innerShdw blurRad="76200">
+              <a:srgbClr val="000000"/>
+            </a:innerShdw>
+          </a:effectLst>
+        </p:spPr>
+      </p:pic>
     </p:spTree>
   </p:cSld>
   <p:clrMapOvr>
     <a:masterClrMapping/>
   </p:clrMapOvr>
+  <p:timing>
+    <p:tnLst>
+      <p:par>
+        <p:cTn id="1" dur="indefinite" restart="never" nodeType="tmRoot"/>
+      </p:par>
+    </p:tnLst>
+  </p:timing>
 </p:sld>
 </file>
 
@@ -14318,15 +14702,444 @@
           </a:p>
         </p:txBody>
       </p:sp>
+      <p:pic>
+        <p:nvPicPr>
+          <p:cNvPr id="4" name="Picture 3"/>
+          <p:cNvPicPr>
+            <a:picLocks noChangeAspect="1"/>
+          </p:cNvPicPr>
+          <p:nvPr/>
+        </p:nvPicPr>
+        <p:blipFill>
+          <a:blip r:embed="rId2"/>
+          <a:stretch>
+            <a:fillRect/>
+          </a:stretch>
+        </p:blipFill>
+        <p:spPr>
+          <a:xfrm>
+            <a:off x="1725683" y="4077136"/>
+            <a:ext cx="5692633" cy="2491956"/>
+          </a:xfrm>
+          <a:prstGeom prst="rect">
+            <a:avLst/>
+          </a:prstGeom>
+          <a:ln w="88900" cap="sq" cmpd="thickThin">
+            <a:solidFill>
+              <a:srgbClr val="000000"/>
+            </a:solidFill>
+            <a:prstDash val="solid"/>
+            <a:miter lim="800000"/>
+          </a:ln>
+          <a:effectLst>
+            <a:innerShdw blurRad="76200">
+              <a:srgbClr val="000000"/>
+            </a:innerShdw>
+          </a:effectLst>
+        </p:spPr>
+      </p:pic>
     </p:spTree>
   </p:cSld>
   <p:clrMapOvr>
     <a:masterClrMapping/>
   </p:clrMapOvr>
+  <p:timing>
+    <p:tnLst>
+      <p:par>
+        <p:cTn id="1" dur="indefinite" restart="never" nodeType="tmRoot"/>
+      </p:par>
+    </p:tnLst>
+  </p:timing>
 </p:sld>
 </file>
 
 <file path=ppt/slides/slide18.xml><?xml version="1.0" encoding="utf-8"?>
+<p:sld xmlns:a="http://schemas.openxmlformats.org/drawingml/2006/main" xmlns:r="http://schemas.openxmlformats.org/officeDocument/2006/relationships" xmlns:p="http://schemas.openxmlformats.org/presentationml/2006/main">
+  <p:cSld>
+    <p:spTree>
+      <p:nvGrpSpPr>
+        <p:cNvPr id="1" name=""/>
+        <p:cNvGrpSpPr/>
+        <p:nvPr/>
+      </p:nvGrpSpPr>
+      <p:grpSpPr>
+        <a:xfrm>
+          <a:off x="0" y="0"/>
+          <a:ext cx="0" cy="0"/>
+          <a:chOff x="0" y="0"/>
+          <a:chExt cx="0" cy="0"/>
+        </a:xfrm>
+      </p:grpSpPr>
+      <p:sp>
+        <p:nvSpPr>
+          <p:cNvPr id="2" name="Title 1"/>
+          <p:cNvSpPr>
+            <a:spLocks noGrp="1"/>
+          </p:cNvSpPr>
+          <p:nvPr>
+            <p:ph type="title"/>
+          </p:nvPr>
+        </p:nvSpPr>
+        <p:spPr>
+          <a:xfrm>
+            <a:off x="1005929" y="740486"/>
+            <a:ext cx="6719818" cy="920363"/>
+          </a:xfrm>
+        </p:spPr>
+        <p:txBody>
+          <a:bodyPr>
+            <a:normAutofit fontScale="90000"/>
+          </a:bodyPr>
+          <a:lstStyle/>
+          <a:p>
+            <a:r>
+              <a:rPr dirty="0"/>
+              <a:t>Task 4.4 &amp; 4.5: Cluster Users by </a:t>
+            </a:r>
+            <a:r>
+              <a:rPr dirty="0" smtClean="0"/>
+              <a:t>Satisfaction</a:t>
+            </a:r>
+            <a:r>
+              <a:rPr lang="en-US" dirty="0" smtClean="0"/>
+              <a:t/>
+            </a:r>
+            <a:br>
+              <a:rPr lang="en-US" dirty="0" smtClean="0"/>
+            </a:br>
+            <a:r>
+              <a:rPr lang="en-US" dirty="0"/>
+              <a:t>Task 4.6: Export Scores to SQL</a:t>
+            </a:r>
+            <a:endParaRPr dirty="0"/>
+          </a:p>
+        </p:txBody>
+      </p:sp>
+      <p:sp>
+        <p:nvSpPr>
+          <p:cNvPr id="3" name="Content Placeholder 2"/>
+          <p:cNvSpPr>
+            <a:spLocks noGrp="1"/>
+          </p:cNvSpPr>
+          <p:nvPr>
+            <p:ph idx="1"/>
+          </p:nvPr>
+        </p:nvSpPr>
+        <p:spPr/>
+        <p:txBody>
+          <a:bodyPr/>
+          <a:lstStyle/>
+          <a:p>
+            <a:r>
+              <a:rPr dirty="0"/>
+              <a:t>📊 Final K-Means (k=2):</a:t>
+            </a:r>
+          </a:p>
+          <a:p>
+            <a:r>
+              <a:rPr dirty="0"/>
+              <a:t>- Cluster A: High satisfaction</a:t>
+            </a:r>
+          </a:p>
+          <a:p>
+            <a:r>
+              <a:rPr dirty="0"/>
+              <a:t>- Cluster B: Low satisfaction</a:t>
+            </a:r>
+          </a:p>
+          <a:p>
+            <a:r>
+              <a:rPr dirty="0"/>
+              <a:t>- Used averages to define strategies per group.</a:t>
+            </a:r>
+          </a:p>
+        </p:txBody>
+      </p:sp>
+      <p:sp>
+        <p:nvSpPr>
+          <p:cNvPr id="5" name="Content Placeholder 2"/>
+          <p:cNvSpPr txBox="1">
+            <a:spLocks/>
+          </p:cNvSpPr>
+          <p:nvPr/>
+        </p:nvSpPr>
+        <p:spPr>
+          <a:xfrm>
+            <a:off x="864382" y="4246206"/>
+            <a:ext cx="6345260" cy="3530600"/>
+          </a:xfrm>
+          <a:prstGeom prst="rect">
+            <a:avLst/>
+          </a:prstGeom>
+        </p:spPr>
+        <p:txBody>
+          <a:bodyPr vert="horz" lIns="91440" tIns="45720" rIns="91440" bIns="45720" rtlCol="0">
+            <a:normAutofit/>
+          </a:bodyPr>
+          <a:lstStyle>
+            <a:lvl1pPr marL="342900" indent="-342900" algn="l" defTabSz="457200" rtl="0" eaLnBrk="1" latinLnBrk="0" hangingPunct="1">
+              <a:spcBef>
+                <a:spcPts val="1000"/>
+              </a:spcBef>
+              <a:spcAft>
+                <a:spcPts val="0"/>
+              </a:spcAft>
+              <a:buClr>
+                <a:schemeClr val="accent1"/>
+              </a:buClr>
+              <a:buSzPct val="80000"/>
+              <a:buFont typeface="Wingdings 3" charset="2"/>
+              <a:buChar char=""/>
+              <a:defRPr sz="1800" b="0" i="0" kern="1200">
+                <a:solidFill>
+                  <a:schemeClr val="tx1">
+                    <a:lumMod val="75000"/>
+                    <a:lumOff val="25000"/>
+                  </a:schemeClr>
+                </a:solidFill>
+                <a:latin typeface="+mn-lt"/>
+                <a:ea typeface="+mn-ea"/>
+                <a:cs typeface="+mn-cs"/>
+              </a:defRPr>
+            </a:lvl1pPr>
+            <a:lvl2pPr marL="685800" indent="-283464" algn="l" defTabSz="457200" rtl="0" eaLnBrk="1" latinLnBrk="0" hangingPunct="1">
+              <a:spcBef>
+                <a:spcPts val="1000"/>
+              </a:spcBef>
+              <a:spcAft>
+                <a:spcPts val="0"/>
+              </a:spcAft>
+              <a:buClr>
+                <a:schemeClr val="accent1"/>
+              </a:buClr>
+              <a:buSzPct val="80000"/>
+              <a:buFont typeface="Wingdings 3" charset="2"/>
+              <a:buChar char=""/>
+              <a:defRPr sz="1600" b="0" i="0" kern="1200">
+                <a:solidFill>
+                  <a:schemeClr val="tx1">
+                    <a:lumMod val="75000"/>
+                    <a:lumOff val="25000"/>
+                  </a:schemeClr>
+                </a:solidFill>
+                <a:latin typeface="+mn-lt"/>
+                <a:ea typeface="+mn-ea"/>
+                <a:cs typeface="+mn-cs"/>
+              </a:defRPr>
+            </a:lvl2pPr>
+            <a:lvl3pPr marL="960120" indent="-228600" algn="l" defTabSz="457200" rtl="0" eaLnBrk="1" latinLnBrk="0" hangingPunct="1">
+              <a:spcBef>
+                <a:spcPts val="1000"/>
+              </a:spcBef>
+              <a:spcAft>
+                <a:spcPts val="0"/>
+              </a:spcAft>
+              <a:buClr>
+                <a:schemeClr val="accent1"/>
+              </a:buClr>
+              <a:buSzPct val="80000"/>
+              <a:buFont typeface="Wingdings 3" charset="2"/>
+              <a:buChar char=""/>
+              <a:defRPr sz="1400" b="0" i="0" kern="1200">
+                <a:solidFill>
+                  <a:schemeClr val="tx1">
+                    <a:lumMod val="75000"/>
+                    <a:lumOff val="25000"/>
+                  </a:schemeClr>
+                </a:solidFill>
+                <a:latin typeface="+mn-lt"/>
+                <a:ea typeface="+mn-ea"/>
+                <a:cs typeface="+mn-cs"/>
+              </a:defRPr>
+            </a:lvl3pPr>
+            <a:lvl4pPr marL="1234440" indent="-228600" algn="l" defTabSz="457200" rtl="0" eaLnBrk="1" latinLnBrk="0" hangingPunct="1">
+              <a:spcBef>
+                <a:spcPts val="1000"/>
+              </a:spcBef>
+              <a:spcAft>
+                <a:spcPts val="0"/>
+              </a:spcAft>
+              <a:buClr>
+                <a:schemeClr val="accent1"/>
+              </a:buClr>
+              <a:buSzPct val="80000"/>
+              <a:buFont typeface="Wingdings 3" charset="2"/>
+              <a:buChar char=""/>
+              <a:defRPr sz="1200" b="0" i="0" kern="1200">
+                <a:solidFill>
+                  <a:schemeClr val="tx1">
+                    <a:lumMod val="75000"/>
+                    <a:lumOff val="25000"/>
+                  </a:schemeClr>
+                </a:solidFill>
+                <a:latin typeface="+mn-lt"/>
+                <a:ea typeface="+mn-ea"/>
+                <a:cs typeface="+mn-cs"/>
+              </a:defRPr>
+            </a:lvl4pPr>
+            <a:lvl5pPr marL="1508760" indent="-228600" algn="l" defTabSz="457200" rtl="0" eaLnBrk="1" latinLnBrk="0" hangingPunct="1">
+              <a:spcBef>
+                <a:spcPts val="1000"/>
+              </a:spcBef>
+              <a:spcAft>
+                <a:spcPts val="0"/>
+              </a:spcAft>
+              <a:buClr>
+                <a:schemeClr val="accent1"/>
+              </a:buClr>
+              <a:buSzPct val="80000"/>
+              <a:buFont typeface="Wingdings 3" charset="2"/>
+              <a:buChar char=""/>
+              <a:defRPr sz="1200" b="0" i="0" kern="1200">
+                <a:solidFill>
+                  <a:schemeClr val="tx1">
+                    <a:lumMod val="75000"/>
+                    <a:lumOff val="25000"/>
+                  </a:schemeClr>
+                </a:solidFill>
+                <a:latin typeface="+mn-lt"/>
+                <a:ea typeface="+mn-ea"/>
+                <a:cs typeface="+mn-cs"/>
+              </a:defRPr>
+            </a:lvl5pPr>
+            <a:lvl6pPr marL="1814600" indent="-228600" algn="l" defTabSz="457200" rtl="0" eaLnBrk="1" latinLnBrk="0" hangingPunct="1">
+              <a:spcBef>
+                <a:spcPts val="1000"/>
+              </a:spcBef>
+              <a:spcAft>
+                <a:spcPts val="0"/>
+              </a:spcAft>
+              <a:buClr>
+                <a:schemeClr val="accent1"/>
+              </a:buClr>
+              <a:buSzPct val="80000"/>
+              <a:buFont typeface="Wingdings 3" charset="2"/>
+              <a:buChar char=""/>
+              <a:defRPr sz="1200" b="0" i="0" kern="1200">
+                <a:solidFill>
+                  <a:schemeClr val="tx1">
+                    <a:lumMod val="75000"/>
+                    <a:lumOff val="25000"/>
+                  </a:schemeClr>
+                </a:solidFill>
+                <a:latin typeface="+mn-lt"/>
+                <a:ea typeface="+mn-ea"/>
+                <a:cs typeface="+mn-cs"/>
+              </a:defRPr>
+            </a:lvl6pPr>
+            <a:lvl7pPr marL="2071800" indent="-228600" algn="l" defTabSz="457200" rtl="0" eaLnBrk="1" latinLnBrk="0" hangingPunct="1">
+              <a:spcBef>
+                <a:spcPts val="1000"/>
+              </a:spcBef>
+              <a:spcAft>
+                <a:spcPts val="0"/>
+              </a:spcAft>
+              <a:buClr>
+                <a:schemeClr val="accent1"/>
+              </a:buClr>
+              <a:buSzPct val="80000"/>
+              <a:buFont typeface="Wingdings 3" charset="2"/>
+              <a:buChar char=""/>
+              <a:defRPr sz="1200" b="0" i="0" kern="1200">
+                <a:solidFill>
+                  <a:schemeClr val="tx1">
+                    <a:lumMod val="75000"/>
+                    <a:lumOff val="25000"/>
+                  </a:schemeClr>
+                </a:solidFill>
+                <a:latin typeface="+mn-lt"/>
+                <a:ea typeface="+mn-ea"/>
+                <a:cs typeface="+mn-cs"/>
+              </a:defRPr>
+            </a:lvl7pPr>
+            <a:lvl8pPr marL="2259000" indent="-228600" algn="l" defTabSz="457200" rtl="0" eaLnBrk="1" latinLnBrk="0" hangingPunct="1">
+              <a:spcBef>
+                <a:spcPts val="1000"/>
+              </a:spcBef>
+              <a:spcAft>
+                <a:spcPts val="0"/>
+              </a:spcAft>
+              <a:buClr>
+                <a:schemeClr val="accent1"/>
+              </a:buClr>
+              <a:buSzPct val="80000"/>
+              <a:buFont typeface="Wingdings 3" charset="2"/>
+              <a:buChar char=""/>
+              <a:defRPr sz="1200" b="0" i="0" kern="1200">
+                <a:solidFill>
+                  <a:schemeClr val="tx1">
+                    <a:lumMod val="75000"/>
+                    <a:lumOff val="25000"/>
+                  </a:schemeClr>
+                </a:solidFill>
+                <a:latin typeface="+mn-lt"/>
+                <a:ea typeface="+mn-ea"/>
+                <a:cs typeface="+mn-cs"/>
+              </a:defRPr>
+            </a:lvl8pPr>
+            <a:lvl9pPr marL="2486200" indent="-228600" algn="l" defTabSz="457200" rtl="0" eaLnBrk="1" latinLnBrk="0" hangingPunct="1">
+              <a:spcBef>
+                <a:spcPts val="1000"/>
+              </a:spcBef>
+              <a:spcAft>
+                <a:spcPts val="0"/>
+              </a:spcAft>
+              <a:buClr>
+                <a:schemeClr val="accent1"/>
+              </a:buClr>
+              <a:buSzPct val="80000"/>
+              <a:buFont typeface="Wingdings 3" charset="2"/>
+              <a:buChar char=""/>
+              <a:defRPr sz="1200" b="0" i="0" kern="1200">
+                <a:solidFill>
+                  <a:schemeClr val="tx1">
+                    <a:lumMod val="75000"/>
+                    <a:lumOff val="25000"/>
+                  </a:schemeClr>
+                </a:solidFill>
+                <a:latin typeface="+mn-lt"/>
+                <a:ea typeface="+mn-ea"/>
+                <a:cs typeface="+mn-cs"/>
+              </a:defRPr>
+            </a:lvl9pPr>
+          </a:lstStyle>
+          <a:p>
+            <a:r>
+              <a:rPr lang="en-US" smtClean="0"/>
+              <a:t>🗄️ Saved final table to MySQL.</a:t>
+            </a:r>
+          </a:p>
+          <a:p>
+            <a:r>
+              <a:rPr lang="en-US" smtClean="0"/>
+              <a:t>- Included user ID, all scores</a:t>
+            </a:r>
+          </a:p>
+          <a:p>
+            <a:r>
+              <a:rPr lang="en-US" smtClean="0"/>
+              <a:t>- Ran SELECT queries for validation.</a:t>
+            </a:r>
+            <a:endParaRPr lang="en-US" dirty="0"/>
+          </a:p>
+        </p:txBody>
+      </p:sp>
+    </p:spTree>
+  </p:cSld>
+  <p:clrMapOvr>
+    <a:masterClrMapping/>
+  </p:clrMapOvr>
+  <p:timing>
+    <p:tnLst>
+      <p:par>
+        <p:cTn id="1" dur="indefinite" restart="never" nodeType="tmRoot"/>
+      </p:par>
+    </p:tnLst>
+  </p:timing>
+</p:sld>
+</file>
+
+<file path=ppt/slides/slide19.xml><?xml version="1.0" encoding="utf-8"?>
 <p:sld xmlns:a="http://schemas.openxmlformats.org/drawingml/2006/main" xmlns:r="http://schemas.openxmlformats.org/officeDocument/2006/relationships" xmlns:p="http://schemas.openxmlformats.org/presentationml/2006/main">
   <p:cSld>
     <p:spTree>
@@ -14361,7 +15174,7 @@
           <a:lstStyle/>
           <a:p>
             <a:r>
-              <a:t>Task 4.4 &amp; 4.5: Cluster Users by Satisfaction</a:t>
+              <a:t>Executive Summary &amp; Recommendations</a:t>
             </a:r>
           </a:p>
         </p:txBody>
@@ -14382,22 +15195,22 @@
           <a:lstStyle/>
           <a:p>
             <a:r>
-              <a:t>📊 Final K-Means (k=2):</a:t>
-            </a:r>
-          </a:p>
-          <a:p>
-            <a:r>
-              <a:t>- Cluster A: High satisfaction</a:t>
-            </a:r>
-          </a:p>
-          <a:p>
-            <a:r>
-              <a:t>- Cluster B: Low satisfaction</a:t>
-            </a:r>
-          </a:p>
-          <a:p>
-            <a:r>
-              <a:t>- Used averages to define strategies per group.</a:t>
+              <a:t>📌 Focus on:</a:t>
+            </a:r>
+          </a:p>
+          <a:p>
+            <a:r>
+              <a:t>- Retaining high-scoring users</a:t>
+            </a:r>
+          </a:p>
+          <a:p>
+            <a:r>
+              <a:t>- Upgrading low-performing devices</a:t>
+            </a:r>
+          </a:p>
+          <a:p>
+            <a:r>
+              <a:t>- Enhancing QoS for poor experience clusters</a:t>
             </a:r>
           </a:p>
         </p:txBody>
@@ -14407,83 +15220,13 @@
   <p:clrMapOvr>
     <a:masterClrMapping/>
   </p:clrMapOvr>
-</p:sld>
-</file>
-
-<file path=ppt/slides/slide19.xml><?xml version="1.0" encoding="utf-8"?>
-<p:sld xmlns:a="http://schemas.openxmlformats.org/drawingml/2006/main" xmlns:r="http://schemas.openxmlformats.org/officeDocument/2006/relationships" xmlns:p="http://schemas.openxmlformats.org/presentationml/2006/main">
-  <p:cSld>
-    <p:spTree>
-      <p:nvGrpSpPr>
-        <p:cNvPr id="1" name=""/>
-        <p:cNvGrpSpPr/>
-        <p:nvPr/>
-      </p:nvGrpSpPr>
-      <p:grpSpPr>
-        <a:xfrm>
-          <a:off x="0" y="0"/>
-          <a:ext cx="0" cy="0"/>
-          <a:chOff x="0" y="0"/>
-          <a:chExt cx="0" cy="0"/>
-        </a:xfrm>
-      </p:grpSpPr>
-      <p:sp>
-        <p:nvSpPr>
-          <p:cNvPr id="2" name="Title 1"/>
-          <p:cNvSpPr>
-            <a:spLocks noGrp="1"/>
-          </p:cNvSpPr>
-          <p:nvPr>
-            <p:ph type="title"/>
-          </p:nvPr>
-        </p:nvSpPr>
-        <p:spPr/>
-        <p:txBody>
-          <a:bodyPr/>
-          <a:lstStyle/>
-          <a:p>
-            <a:r>
-              <a:t>Task 4.6: Export Scores to SQL</a:t>
-            </a:r>
-          </a:p>
-        </p:txBody>
-      </p:sp>
-      <p:sp>
-        <p:nvSpPr>
-          <p:cNvPr id="3" name="Content Placeholder 2"/>
-          <p:cNvSpPr>
-            <a:spLocks noGrp="1"/>
-          </p:cNvSpPr>
-          <p:nvPr>
-            <p:ph idx="1"/>
-          </p:nvPr>
-        </p:nvSpPr>
-        <p:spPr/>
-        <p:txBody>
-          <a:bodyPr/>
-          <a:lstStyle/>
-          <a:p>
-            <a:r>
-              <a:t>🗄️ Saved final table to MySQL.</a:t>
-            </a:r>
-          </a:p>
-          <a:p>
-            <a:r>
-              <a:t>- Included user ID, all scores</a:t>
-            </a:r>
-          </a:p>
-          <a:p>
-            <a:r>
-              <a:t>- Ran SELECT queries for validation.</a:t>
-            </a:r>
-          </a:p>
-        </p:txBody>
-      </p:sp>
-    </p:spTree>
-  </p:cSld>
-  <p:clrMapOvr>
-    <a:masterClrMapping/>
-  </p:clrMapOvr>
+  <p:timing>
+    <p:tnLst>
+      <p:par>
+        <p:cTn id="1" dur="indefinite" restart="never" nodeType="tmRoot"/>
+      </p:par>
+    </p:tnLst>
+  </p:timing>
 </p:sld>
 </file>
 
@@ -14563,7 +15306,12 @@
             <p:ph idx="1"/>
           </p:nvPr>
         </p:nvSpPr>
-        <p:spPr/>
+        <p:spPr>
+          <a:xfrm>
+            <a:off x="472496" y="1293423"/>
+            <a:ext cx="6345260" cy="3530600"/>
+          </a:xfrm>
+        </p:spPr>
         <p:txBody>
           <a:bodyPr/>
           <a:lstStyle/>
@@ -14645,6 +15393,41 @@
           </a:p>
         </p:txBody>
       </p:sp>
+      <p:pic>
+        <p:nvPicPr>
+          <p:cNvPr id="4" name="Picture 3"/>
+          <p:cNvPicPr>
+            <a:picLocks noChangeAspect="1"/>
+          </p:cNvPicPr>
+          <p:nvPr/>
+        </p:nvPicPr>
+        <p:blipFill rotWithShape="1">
+          <a:blip r:embed="rId2"/>
+          <a:srcRect r="5680" b="16781"/>
+          <a:stretch/>
+        </p:blipFill>
+        <p:spPr>
+          <a:xfrm>
+            <a:off x="2070478" y="3906091"/>
+            <a:ext cx="5103302" cy="3025063"/>
+          </a:xfrm>
+          <a:prstGeom prst="rect">
+            <a:avLst/>
+          </a:prstGeom>
+          <a:ln w="88900" cap="sq" cmpd="thickThin">
+            <a:solidFill>
+              <a:srgbClr val="000000"/>
+            </a:solidFill>
+            <a:prstDash val="solid"/>
+            <a:miter lim="800000"/>
+          </a:ln>
+          <a:effectLst>
+            <a:innerShdw blurRad="76200">
+              <a:srgbClr val="000000"/>
+            </a:innerShdw>
+          </a:effectLst>
+        </p:spPr>
+      </p:pic>
     </p:spTree>
   </p:cSld>
   <p:clrMapOvr>
@@ -14677,6 +15460,30 @@
           <a:chExt cx="0" cy="0"/>
         </a:xfrm>
       </p:grpSpPr>
+      <p:pic>
+        <p:nvPicPr>
+          <p:cNvPr id="4" name="Picture 3"/>
+          <p:cNvPicPr>
+            <a:picLocks noChangeAspect="1"/>
+          </p:cNvPicPr>
+          <p:nvPr/>
+        </p:nvPicPr>
+        <p:blipFill>
+          <a:blip r:embed="rId2"/>
+          <a:stretch>
+            <a:fillRect/>
+          </a:stretch>
+        </p:blipFill>
+        <p:spPr>
+          <a:xfrm>
+            <a:off x="347258" y="3337255"/>
+            <a:ext cx="7087214" cy="3520745"/>
+          </a:xfrm>
+          <a:prstGeom prst="rect">
+            <a:avLst/>
+          </a:prstGeom>
+        </p:spPr>
+      </p:pic>
       <p:sp>
         <p:nvSpPr>
           <p:cNvPr id="2" name="Title 1"/>
@@ -14689,13 +15496,11 @@
         </p:nvSpPr>
         <p:spPr/>
         <p:txBody>
-          <a:bodyPr>
-            <a:normAutofit fontScale="90000"/>
-          </a:bodyPr>
+          <a:bodyPr/>
           <a:lstStyle/>
           <a:p>
             <a:r>
-              <a:t>Executive Summary &amp; Recommendations</a:t>
+              <a:t>Limitations of the Analysis</a:t>
             </a:r>
           </a:p>
         </p:txBody>
@@ -14710,28 +15515,37 @@
             <p:ph idx="1"/>
           </p:nvPr>
         </p:nvSpPr>
-        <p:spPr/>
+        <p:spPr>
+          <a:xfrm>
+            <a:off x="565803" y="2153298"/>
+            <a:ext cx="6345260" cy="3530600"/>
+          </a:xfrm>
+        </p:spPr>
         <p:txBody>
           <a:bodyPr/>
           <a:lstStyle/>
           <a:p>
             <a:r>
-              <a:t>📌 Focus on:</a:t>
-            </a:r>
-          </a:p>
-          <a:p>
-            <a:r>
-              <a:t>- Retaining high-scoring users</a:t>
-            </a:r>
-          </a:p>
-          <a:p>
-            <a:r>
-              <a:t>- Upgrading low-performing devices</a:t>
-            </a:r>
-          </a:p>
-          <a:p>
-            <a:r>
-              <a:t>- Enhancing QoS for poor experience clusters</a:t>
+              <a:rPr dirty="0"/>
+              <a:t>⚠️ Challenges faced:</a:t>
+            </a:r>
+          </a:p>
+          <a:p>
+            <a:r>
+              <a:rPr dirty="0"/>
+              <a:t>- Single month data</a:t>
+            </a:r>
+          </a:p>
+          <a:p>
+            <a:r>
+              <a:rPr dirty="0"/>
+              <a:t>- Some devices undefined</a:t>
+            </a:r>
+          </a:p>
+          <a:p>
+            <a:r>
+              <a:rPr dirty="0"/>
+              <a:t>- No location data for signal mapping</a:t>
             </a:r>
           </a:p>
         </p:txBody>
@@ -14741,6 +15555,13 @@
   <p:clrMapOvr>
     <a:masterClrMapping/>
   </p:clrMapOvr>
+  <p:timing>
+    <p:tnLst>
+      <p:par>
+        <p:cTn id="1" dur="indefinite" restart="never" nodeType="tmRoot"/>
+      </p:par>
+    </p:tnLst>
+  </p:timing>
 </p:sld>
 </file>
 
@@ -14761,289 +15582,55 @@
           <a:chExt cx="0" cy="0"/>
         </a:xfrm>
       </p:grpSpPr>
-      <p:sp>
-        <p:nvSpPr>
-          <p:cNvPr id="2" name="Title 1"/>
-          <p:cNvSpPr>
-            <a:spLocks noGrp="1"/>
-          </p:cNvSpPr>
-          <p:nvPr>
-            <p:ph type="title"/>
-          </p:nvPr>
-        </p:nvSpPr>
-        <p:spPr/>
-        <p:txBody>
-          <a:bodyPr/>
-          <a:lstStyle/>
-          <a:p>
-            <a:r>
-              <a:t>Limitations of the Analysis</a:t>
-            </a:r>
-          </a:p>
-        </p:txBody>
-      </p:sp>
-      <p:sp>
-        <p:nvSpPr>
-          <p:cNvPr id="3" name="Content Placeholder 2"/>
-          <p:cNvSpPr>
-            <a:spLocks noGrp="1"/>
-          </p:cNvSpPr>
+      <p:pic>
+        <p:nvPicPr>
+          <p:cNvPr id="4" name="Content Placeholder 3"/>
+          <p:cNvPicPr>
+            <a:picLocks noGrp="1" noChangeAspect="1"/>
+          </p:cNvPicPr>
           <p:nvPr>
             <p:ph idx="1"/>
           </p:nvPr>
-        </p:nvSpPr>
-        <p:spPr/>
-        <p:txBody>
-          <a:bodyPr/>
-          <a:lstStyle/>
-          <a:p>
-            <a:r>
-              <a:t>⚠️ Challenges faced:</a:t>
-            </a:r>
-          </a:p>
-          <a:p>
-            <a:r>
-              <a:t>- Single month data</a:t>
-            </a:r>
-          </a:p>
-          <a:p>
-            <a:r>
-              <a:t>- Some devices undefined</a:t>
-            </a:r>
-          </a:p>
-          <a:p>
-            <a:r>
-              <a:t>- No location data for signal mapping</a:t>
-            </a:r>
-          </a:p>
-        </p:txBody>
-      </p:sp>
+        </p:nvPicPr>
+        <p:blipFill>
+          <a:blip r:embed="rId2">
+            <a:clrChange>
+              <a:clrFrom>
+                <a:srgbClr val="FFFFFF"/>
+              </a:clrFrom>
+              <a:clrTo>
+                <a:srgbClr val="FFFFFF">
+                  <a:alpha val="0"/>
+                </a:srgbClr>
+              </a:clrTo>
+            </a:clrChange>
+          </a:blip>
+          <a:stretch>
+            <a:fillRect/>
+          </a:stretch>
+        </p:blipFill>
+        <p:spPr>
+          <a:xfrm>
+            <a:off x="726011" y="2282890"/>
+            <a:ext cx="6033708" cy="3778250"/>
+          </a:xfrm>
+          <a:prstGeom prst="rect">
+            <a:avLst/>
+          </a:prstGeom>
+        </p:spPr>
+      </p:pic>
     </p:spTree>
   </p:cSld>
   <p:clrMapOvr>
     <a:masterClrMapping/>
   </p:clrMapOvr>
-</p:sld>
-</file>
-
-<file path=ppt/slides/slide22.xml><?xml version="1.0" encoding="utf-8"?>
-<p:sld xmlns:a="http://schemas.openxmlformats.org/drawingml/2006/main" xmlns:r="http://schemas.openxmlformats.org/officeDocument/2006/relationships" xmlns:p="http://schemas.openxmlformats.org/presentationml/2006/main">
-  <p:cSld>
-    <p:spTree>
-      <p:nvGrpSpPr>
-        <p:cNvPr id="1" name=""/>
-        <p:cNvGrpSpPr/>
-        <p:nvPr/>
-      </p:nvGrpSpPr>
-      <p:grpSpPr>
-        <a:xfrm>
-          <a:off x="0" y="0"/>
-          <a:ext cx="0" cy="0"/>
-          <a:chOff x="0" y="0"/>
-          <a:chExt cx="0" cy="0"/>
-        </a:xfrm>
-      </p:grpSpPr>
-      <p:sp>
-        <p:nvSpPr>
-          <p:cNvPr id="2" name="Title 1"/>
-          <p:cNvSpPr>
-            <a:spLocks noGrp="1"/>
-          </p:cNvSpPr>
-          <p:nvPr>
-            <p:ph type="title"/>
-          </p:nvPr>
-        </p:nvSpPr>
-        <p:spPr/>
-        <p:txBody>
-          <a:bodyPr/>
-          <a:lstStyle/>
-          <a:p>
-            <a:r>
-              <a:t>Final Recommendation</a:t>
-            </a:r>
-          </a:p>
-        </p:txBody>
-      </p:sp>
-      <p:sp>
-        <p:nvSpPr>
-          <p:cNvPr id="3" name="Content Placeholder 2"/>
-          <p:cNvSpPr>
-            <a:spLocks noGrp="1"/>
-          </p:cNvSpPr>
-          <p:nvPr>
-            <p:ph idx="1"/>
-          </p:nvPr>
-        </p:nvSpPr>
-        <p:spPr/>
-        <p:txBody>
-          <a:bodyPr/>
-          <a:lstStyle/>
-          <a:p>
-            <a:r>
-              <a:t>💼 Recommend BUYING TellCo</a:t>
-            </a:r>
-          </a:p>
-          <a:p>
-            <a:r>
-              <a:t>- Clear clusters of profitable users</a:t>
-            </a:r>
-          </a:p>
-          <a:p>
-            <a:r>
-              <a:t>- Strategic upgrades can unlock further value.</a:t>
-            </a:r>
-          </a:p>
-        </p:txBody>
-      </p:sp>
-    </p:spTree>
-  </p:cSld>
-  <p:clrMapOvr>
-    <a:masterClrMapping/>
-  </p:clrMapOvr>
-</p:sld>
-</file>
-
-<file path=ppt/slides/slide23.xml><?xml version="1.0" encoding="utf-8"?>
-<p:sld xmlns:a="http://schemas.openxmlformats.org/drawingml/2006/main" xmlns:r="http://schemas.openxmlformats.org/officeDocument/2006/relationships" xmlns:p="http://schemas.openxmlformats.org/presentationml/2006/main">
-  <p:cSld>
-    <p:spTree>
-      <p:nvGrpSpPr>
-        <p:cNvPr id="1" name=""/>
-        <p:cNvGrpSpPr/>
-        <p:nvPr/>
-      </p:nvGrpSpPr>
-      <p:grpSpPr>
-        <a:xfrm>
-          <a:off x="0" y="0"/>
-          <a:ext cx="0" cy="0"/>
-          <a:chOff x="0" y="0"/>
-          <a:chExt cx="0" cy="0"/>
-        </a:xfrm>
-      </p:grpSpPr>
-      <p:sp>
-        <p:nvSpPr>
-          <p:cNvPr id="2" name="Title 1"/>
-          <p:cNvSpPr>
-            <a:spLocks noGrp="1"/>
-          </p:cNvSpPr>
-          <p:nvPr>
-            <p:ph type="title"/>
-          </p:nvPr>
-        </p:nvSpPr>
-        <p:spPr/>
-        <p:txBody>
-          <a:bodyPr/>
-          <a:lstStyle/>
-          <a:p>
-            <a:r>
-              <a:t>GitHub &amp; Dashboard Access</a:t>
-            </a:r>
-          </a:p>
-        </p:txBody>
-      </p:sp>
-      <p:sp>
-        <p:nvSpPr>
-          <p:cNvPr id="3" name="Content Placeholder 2"/>
-          <p:cNvSpPr>
-            <a:spLocks noGrp="1"/>
-          </p:cNvSpPr>
-          <p:nvPr>
-            <p:ph idx="1"/>
-          </p:nvPr>
-        </p:nvSpPr>
-        <p:spPr/>
-        <p:txBody>
-          <a:bodyPr/>
-          <a:lstStyle/>
-          <a:p>
-            <a:r>
-              <a:t>🔗 Provided access to:</a:t>
-            </a:r>
-          </a:p>
-          <a:p>
-            <a:r>
-              <a:t>- Jupyter Notebooks</a:t>
-            </a:r>
-          </a:p>
-          <a:p>
-            <a:r>
-              <a:t>- Dashboard (Streamlit/Flask)</a:t>
-            </a:r>
-          </a:p>
-        </p:txBody>
-      </p:sp>
-    </p:spTree>
-  </p:cSld>
-  <p:clrMapOvr>
-    <a:masterClrMapping/>
-  </p:clrMapOvr>
-</p:sld>
-</file>
-
-<file path=ppt/slides/slide24.xml><?xml version="1.0" encoding="utf-8"?>
-<p:sld xmlns:a="http://schemas.openxmlformats.org/drawingml/2006/main" xmlns:r="http://schemas.openxmlformats.org/officeDocument/2006/relationships" xmlns:p="http://schemas.openxmlformats.org/presentationml/2006/main">
-  <p:cSld>
-    <p:spTree>
-      <p:nvGrpSpPr>
-        <p:cNvPr id="1" name=""/>
-        <p:cNvGrpSpPr/>
-        <p:nvPr/>
-      </p:nvGrpSpPr>
-      <p:grpSpPr>
-        <a:xfrm>
-          <a:off x="0" y="0"/>
-          <a:ext cx="0" cy="0"/>
-          <a:chOff x="0" y="0"/>
-          <a:chExt cx="0" cy="0"/>
-        </a:xfrm>
-      </p:grpSpPr>
-      <p:sp>
-        <p:nvSpPr>
-          <p:cNvPr id="2" name="Title 1"/>
-          <p:cNvSpPr>
-            <a:spLocks noGrp="1"/>
-          </p:cNvSpPr>
-          <p:nvPr>
-            <p:ph type="title"/>
-          </p:nvPr>
-        </p:nvSpPr>
-        <p:spPr/>
-        <p:txBody>
-          <a:bodyPr/>
-          <a:lstStyle/>
-          <a:p>
-            <a:r>
-              <a:t>Thank You / Q&amp;A</a:t>
-            </a:r>
-          </a:p>
-        </p:txBody>
-      </p:sp>
-      <p:sp>
-        <p:nvSpPr>
-          <p:cNvPr id="3" name="Content Placeholder 2"/>
-          <p:cNvSpPr>
-            <a:spLocks noGrp="1"/>
-          </p:cNvSpPr>
-          <p:nvPr>
-            <p:ph idx="1"/>
-          </p:nvPr>
-        </p:nvSpPr>
-        <p:spPr/>
-        <p:txBody>
-          <a:bodyPr/>
-          <a:lstStyle/>
-          <a:p>
-            <a:r>
-              <a:t>🙏 Thank you! Open to any questions.</a:t>
-            </a:r>
-          </a:p>
-        </p:txBody>
-      </p:sp>
-    </p:spTree>
-  </p:cSld>
-  <p:clrMapOvr>
-    <a:masterClrMapping/>
-  </p:clrMapOvr>
+  <p:timing>
+    <p:tnLst>
+      <p:par>
+        <p:cTn id="1" dur="indefinite" restart="never" nodeType="tmRoot"/>
+      </p:par>
+    </p:tnLst>
+  </p:timing>
 </p:sld>
 </file>
 
@@ -15080,7 +15667,8 @@
           <a:lstStyle/>
           <a:p>
             <a:r>
-              <a:t>Dataset Overview &amp; Setup</a:t>
+              <a:rPr dirty="0"/>
+              <a:t>Task 1: User Overview Analysis</a:t>
             </a:r>
           </a:p>
         </p:txBody>
@@ -15095,7 +15683,12 @@
             <p:ph idx="1"/>
           </p:nvPr>
         </p:nvSpPr>
-        <p:spPr/>
+        <p:spPr>
+          <a:xfrm>
+            <a:off x="537811" y="1406849"/>
+            <a:ext cx="6345260" cy="3530600"/>
+          </a:xfrm>
+        </p:spPr>
         <p:txBody>
           <a:bodyPr/>
           <a:lstStyle/>
@@ -15108,115 +15701,6 @@
           <a:p>
             <a:r>
               <a:rPr dirty="0" smtClean="0"/>
-              <a:t>📂 </a:t>
-            </a:r>
-            <a:r>
-              <a:rPr dirty="0"/>
-              <a:t>Data from 1-month </a:t>
-            </a:r>
-            <a:r>
-              <a:rPr dirty="0" err="1"/>
-              <a:t>xDR</a:t>
-            </a:r>
-            <a:r>
-              <a:rPr dirty="0"/>
-              <a:t> records (data usage sessions).</a:t>
-            </a:r>
-          </a:p>
-          <a:p>
-            <a:r>
-              <a:rPr dirty="0"/>
-              <a:t>- Features cover user ID, session info, app types, durations, traffic volume, device, and network quality.</a:t>
-            </a:r>
-          </a:p>
-          <a:p>
-            <a:r>
-              <a:rPr dirty="0"/>
-              <a:t>- Feature dictionary provided for mapping.</a:t>
-            </a:r>
-          </a:p>
-          <a:p>
-            <a:endParaRPr dirty="0"/>
-          </a:p>
-        </p:txBody>
-      </p:sp>
-    </p:spTree>
-  </p:cSld>
-  <p:clrMapOvr>
-    <a:masterClrMapping/>
-  </p:clrMapOvr>
-  <p:timing>
-    <p:tnLst>
-      <p:par>
-        <p:cTn id="1" dur="indefinite" restart="never" nodeType="tmRoot"/>
-      </p:par>
-    </p:tnLst>
-  </p:timing>
-</p:sld>
-</file>
-
-<file path=ppt/slides/slide4.xml><?xml version="1.0" encoding="utf-8"?>
-<p:sld xmlns:a="http://schemas.openxmlformats.org/drawingml/2006/main" xmlns:r="http://schemas.openxmlformats.org/officeDocument/2006/relationships" xmlns:p="http://schemas.openxmlformats.org/presentationml/2006/main">
-  <p:cSld>
-    <p:spTree>
-      <p:nvGrpSpPr>
-        <p:cNvPr id="1" name=""/>
-        <p:cNvGrpSpPr/>
-        <p:nvPr/>
-      </p:nvGrpSpPr>
-      <p:grpSpPr>
-        <a:xfrm>
-          <a:off x="0" y="0"/>
-          <a:ext cx="0" cy="0"/>
-          <a:chOff x="0" y="0"/>
-          <a:chExt cx="0" cy="0"/>
-        </a:xfrm>
-      </p:grpSpPr>
-      <p:sp>
-        <p:nvSpPr>
-          <p:cNvPr id="2" name="Title 1"/>
-          <p:cNvSpPr>
-            <a:spLocks noGrp="1"/>
-          </p:cNvSpPr>
-          <p:nvPr>
-            <p:ph type="title"/>
-          </p:nvPr>
-        </p:nvSpPr>
-        <p:spPr/>
-        <p:txBody>
-          <a:bodyPr/>
-          <a:lstStyle/>
-          <a:p>
-            <a:r>
-              <a:rPr dirty="0"/>
-              <a:t>Task 1: User Overview Analysis</a:t>
-            </a:r>
-          </a:p>
-        </p:txBody>
-      </p:sp>
-      <p:sp>
-        <p:nvSpPr>
-          <p:cNvPr id="3" name="Content Placeholder 2"/>
-          <p:cNvSpPr>
-            <a:spLocks noGrp="1"/>
-          </p:cNvSpPr>
-          <p:nvPr>
-            <p:ph idx="1"/>
-          </p:nvPr>
-        </p:nvSpPr>
-        <p:spPr/>
-        <p:txBody>
-          <a:bodyPr/>
-          <a:lstStyle/>
-          <a:p>
-            <a:endParaRPr lang="en-US" dirty="0" smtClean="0"/>
-          </a:p>
-          <a:p>
-            <a:endParaRPr lang="en-US" dirty="0"/>
-          </a:p>
-          <a:p>
-            <a:r>
-              <a:rPr dirty="0" smtClean="0"/>
               <a:t>📱 </a:t>
             </a:r>
             <a:r>
@@ -15251,54 +15735,6 @@
               <a:rPr dirty="0"/>
               <a:t>- Recommended marketing segmentation based on device trends.</a:t>
             </a:r>
-          </a:p>
-        </p:txBody>
-      </p:sp>
-    </p:spTree>
-  </p:cSld>
-  <p:clrMapOvr>
-    <a:masterClrMapping/>
-  </p:clrMapOvr>
-</p:sld>
-</file>
-
-<file path=ppt/slides/slide5.xml><?xml version="1.0" encoding="utf-8"?>
-<p:sld xmlns:a="http://schemas.openxmlformats.org/drawingml/2006/main" xmlns:r="http://schemas.openxmlformats.org/officeDocument/2006/relationships" xmlns:p="http://schemas.openxmlformats.org/presentationml/2006/main">
-  <p:cSld>
-    <p:spTree>
-      <p:nvGrpSpPr>
-        <p:cNvPr id="1" name=""/>
-        <p:cNvGrpSpPr/>
-        <p:nvPr/>
-      </p:nvGrpSpPr>
-      <p:grpSpPr>
-        <a:xfrm>
-          <a:off x="0" y="0"/>
-          <a:ext cx="0" cy="0"/>
-          <a:chOff x="0" y="0"/>
-          <a:chExt cx="0" cy="0"/>
-        </a:xfrm>
-      </p:grpSpPr>
-      <p:sp>
-        <p:nvSpPr>
-          <p:cNvPr id="2" name="Title 1"/>
-          <p:cNvSpPr>
-            <a:spLocks noGrp="1"/>
-          </p:cNvSpPr>
-          <p:nvPr>
-            <p:ph type="title"/>
-          </p:nvPr>
-        </p:nvSpPr>
-        <p:spPr/>
-        <p:txBody>
-          <a:bodyPr/>
-          <a:lstStyle/>
-          <a:p>
-            <a:r>
-              <a:rPr lang="en-US" dirty="0"/>
-              <a:t>Task 1: User Overview Analysis</a:t>
-            </a:r>
-            <a:endParaRPr dirty="0"/>
           </a:p>
         </p:txBody>
       </p:sp>
@@ -15306,22 +15742,19 @@
         <p:nvPicPr>
           <p:cNvPr id="4" name="Content Placeholder 3"/>
           <p:cNvPicPr>
-            <a:picLocks noGrp="1" noChangeAspect="1"/>
+            <a:picLocks noChangeAspect="1"/>
           </p:cNvPicPr>
-          <p:nvPr>
-            <p:ph idx="1"/>
-          </p:nvPr>
+          <p:nvPr/>
         </p:nvPicPr>
-        <p:blipFill>
+        <p:blipFill rotWithShape="1">
           <a:blip r:embed="rId2"/>
-          <a:stretch>
-            <a:fillRect/>
-          </a:stretch>
+          <a:srcRect r="11143"/>
+          <a:stretch/>
         </p:blipFill>
         <p:spPr>
           <a:xfrm>
-            <a:off x="230768" y="2684934"/>
-            <a:ext cx="4928584" cy="3034731"/>
+            <a:off x="388522" y="3683309"/>
+            <a:ext cx="4379422" cy="3034731"/>
           </a:xfrm>
           <a:prstGeom prst="rect">
             <a:avLst/>
@@ -15355,8 +15788,8 @@
         </p:blipFill>
         <p:spPr>
           <a:xfrm>
-            <a:off x="5463214" y="3254101"/>
-            <a:ext cx="3492855" cy="1859075"/>
+            <a:off x="5071328" y="3968669"/>
+            <a:ext cx="3763119" cy="2002923"/>
           </a:xfrm>
           <a:prstGeom prst="rect">
             <a:avLst/>
@@ -15376,19 +15809,21 @@
         </p:spPr>
       </p:pic>
     </p:spTree>
-    <p:extLst>
-      <p:ext uri="{BB962C8B-B14F-4D97-AF65-F5344CB8AC3E}">
-        <p14:creationId xmlns:p14="http://schemas.microsoft.com/office/powerpoint/2010/main" val="4264523835"/>
-      </p:ext>
-    </p:extLst>
   </p:cSld>
   <p:clrMapOvr>
     <a:masterClrMapping/>
   </p:clrMapOvr>
+  <p:timing>
+    <p:tnLst>
+      <p:par>
+        <p:cTn id="1" dur="indefinite" restart="never" nodeType="tmRoot"/>
+      </p:par>
+    </p:tnLst>
+  </p:timing>
 </p:sld>
 </file>
 
-<file path=ppt/slides/slide6.xml><?xml version="1.0" encoding="utf-8"?>
+<file path=ppt/slides/slide4.xml><?xml version="1.0" encoding="utf-8"?>
 <p:sld xmlns:a="http://schemas.openxmlformats.org/drawingml/2006/main" xmlns:r="http://schemas.openxmlformats.org/officeDocument/2006/relationships" xmlns:p="http://schemas.openxmlformats.org/presentationml/2006/main">
   <p:cSld>
     <p:spTree>
@@ -15474,6 +15909,319 @@
   <p:clrMapOvr>
     <a:masterClrMapping/>
   </p:clrMapOvr>
+  <p:timing>
+    <p:tnLst>
+      <p:par>
+        <p:cTn id="1" dur="indefinite" restart="never" nodeType="tmRoot"/>
+      </p:par>
+    </p:tnLst>
+  </p:timing>
+</p:sld>
+</file>
+
+<file path=ppt/slides/slide5.xml><?xml version="1.0" encoding="utf-8"?>
+<p:sld xmlns:a="http://schemas.openxmlformats.org/drawingml/2006/main" xmlns:r="http://schemas.openxmlformats.org/officeDocument/2006/relationships" xmlns:p="http://schemas.openxmlformats.org/presentationml/2006/main">
+  <p:cSld>
+    <p:spTree>
+      <p:nvGrpSpPr>
+        <p:cNvPr id="1" name=""/>
+        <p:cNvGrpSpPr/>
+        <p:nvPr/>
+      </p:nvGrpSpPr>
+      <p:grpSpPr>
+        <a:xfrm>
+          <a:off x="0" y="0"/>
+          <a:ext cx="0" cy="0"/>
+          <a:chOff x="0" y="0"/>
+          <a:chExt cx="0" cy="0"/>
+        </a:xfrm>
+      </p:grpSpPr>
+      <p:sp>
+        <p:nvSpPr>
+          <p:cNvPr id="2" name="Title 1"/>
+          <p:cNvSpPr>
+            <a:spLocks noGrp="1"/>
+          </p:cNvSpPr>
+          <p:nvPr>
+            <p:ph type="title"/>
+          </p:nvPr>
+        </p:nvSpPr>
+        <p:spPr/>
+        <p:txBody>
+          <a:bodyPr/>
+          <a:lstStyle/>
+          <a:p>
+            <a:r>
+              <a:t>Task 1.1: Aggregate App Usage</a:t>
+            </a:r>
+          </a:p>
+        </p:txBody>
+      </p:sp>
+      <p:sp>
+        <p:nvSpPr>
+          <p:cNvPr id="3" name="Content Placeholder 2"/>
+          <p:cNvSpPr>
+            <a:spLocks noGrp="1"/>
+          </p:cNvSpPr>
+          <p:nvPr>
+            <p:ph idx="1"/>
+          </p:nvPr>
+        </p:nvSpPr>
+        <p:spPr/>
+        <p:txBody>
+          <a:bodyPr/>
+          <a:lstStyle/>
+          <a:p>
+            <a:r>
+              <a:rPr dirty="0"/>
+              <a:t>📊 For each user, calculated:</a:t>
+            </a:r>
+          </a:p>
+          <a:p>
+            <a:r>
+              <a:rPr dirty="0"/>
+              <a:t>- Total </a:t>
+            </a:r>
+            <a:r>
+              <a:rPr dirty="0" err="1"/>
+              <a:t>xDR</a:t>
+            </a:r>
+            <a:r>
+              <a:rPr dirty="0"/>
+              <a:t> sessions</a:t>
+            </a:r>
+          </a:p>
+          <a:p>
+            <a:r>
+              <a:rPr dirty="0"/>
+              <a:t>- Session duration</a:t>
+            </a:r>
+          </a:p>
+          <a:p>
+            <a:r>
+              <a:rPr dirty="0"/>
+              <a:t>- Upload/Download traffic per app</a:t>
+            </a:r>
+          </a:p>
+          <a:p>
+            <a:endParaRPr dirty="0"/>
+          </a:p>
+        </p:txBody>
+      </p:sp>
+      <p:pic>
+        <p:nvPicPr>
+          <p:cNvPr id="4" name="Picture 3"/>
+          <p:cNvPicPr>
+            <a:picLocks noChangeAspect="1"/>
+          </p:cNvPicPr>
+          <p:nvPr/>
+        </p:nvPicPr>
+        <p:blipFill>
+          <a:blip r:embed="rId2"/>
+          <a:stretch>
+            <a:fillRect/>
+          </a:stretch>
+        </p:blipFill>
+        <p:spPr>
+          <a:xfrm>
+            <a:off x="230527" y="4410022"/>
+            <a:ext cx="8689539" cy="1963978"/>
+          </a:xfrm>
+          <a:prstGeom prst="rect">
+            <a:avLst/>
+          </a:prstGeom>
+          <a:ln w="88900" cap="sq" cmpd="thickThin">
+            <a:solidFill>
+              <a:srgbClr val="000000"/>
+            </a:solidFill>
+            <a:prstDash val="solid"/>
+            <a:miter lim="800000"/>
+          </a:ln>
+          <a:effectLst>
+            <a:innerShdw blurRad="76200">
+              <a:srgbClr val="000000"/>
+            </a:innerShdw>
+          </a:effectLst>
+        </p:spPr>
+      </p:pic>
+    </p:spTree>
+  </p:cSld>
+  <p:clrMapOvr>
+    <a:masterClrMapping/>
+  </p:clrMapOvr>
+  <p:timing>
+    <p:tnLst>
+      <p:par>
+        <p:cTn id="1" dur="indefinite" restart="never" nodeType="tmRoot"/>
+      </p:par>
+    </p:tnLst>
+  </p:timing>
+</p:sld>
+</file>
+
+<file path=ppt/slides/slide6.xml><?xml version="1.0" encoding="utf-8"?>
+<p:sld xmlns:a="http://schemas.openxmlformats.org/drawingml/2006/main" xmlns:r="http://schemas.openxmlformats.org/officeDocument/2006/relationships" xmlns:p="http://schemas.openxmlformats.org/presentationml/2006/main">
+  <p:cSld>
+    <p:spTree>
+      <p:nvGrpSpPr>
+        <p:cNvPr id="1" name=""/>
+        <p:cNvGrpSpPr/>
+        <p:nvPr/>
+      </p:nvGrpSpPr>
+      <p:grpSpPr>
+        <a:xfrm>
+          <a:off x="0" y="0"/>
+          <a:ext cx="0" cy="0"/>
+          <a:chOff x="0" y="0"/>
+          <a:chExt cx="0" cy="0"/>
+        </a:xfrm>
+      </p:grpSpPr>
+      <p:sp>
+        <p:nvSpPr>
+          <p:cNvPr id="2" name="Title 1"/>
+          <p:cNvSpPr>
+            <a:spLocks noGrp="1"/>
+          </p:cNvSpPr>
+          <p:nvPr>
+            <p:ph type="title"/>
+          </p:nvPr>
+        </p:nvSpPr>
+        <p:spPr/>
+        <p:txBody>
+          <a:bodyPr/>
+          <a:lstStyle/>
+          <a:p>
+            <a:r>
+              <a:t>Task 1.2: EDA &amp; Initial Insights</a:t>
+            </a:r>
+          </a:p>
+        </p:txBody>
+      </p:sp>
+      <p:pic>
+        <p:nvPicPr>
+          <p:cNvPr id="4" name="Picture 3"/>
+          <p:cNvPicPr>
+            <a:picLocks noChangeAspect="1"/>
+          </p:cNvPicPr>
+          <p:nvPr/>
+        </p:nvPicPr>
+        <p:blipFill rotWithShape="1">
+          <a:blip r:embed="rId2"/>
+          <a:srcRect r="6012"/>
+          <a:stretch/>
+        </p:blipFill>
+        <p:spPr>
+          <a:xfrm>
+            <a:off x="1729585" y="3282204"/>
+            <a:ext cx="6105108" cy="3575796"/>
+          </a:xfrm>
+          <a:prstGeom prst="rect">
+            <a:avLst/>
+          </a:prstGeom>
+          <a:ln w="38100" cap="sq">
+            <a:solidFill>
+              <a:srgbClr val="000000"/>
+            </a:solidFill>
+            <a:prstDash val="solid"/>
+            <a:miter lim="800000"/>
+          </a:ln>
+          <a:effectLst>
+            <a:outerShdw blurRad="50800" dist="38100" dir="2700000" algn="tl" rotWithShape="0">
+              <a:srgbClr val="000000">
+                <a:alpha val="43000"/>
+              </a:srgbClr>
+            </a:outerShdw>
+          </a:effectLst>
+        </p:spPr>
+      </p:pic>
+      <p:pic>
+        <p:nvPicPr>
+          <p:cNvPr id="5" name="Picture 4"/>
+          <p:cNvPicPr>
+            <a:picLocks noChangeAspect="1"/>
+          </p:cNvPicPr>
+          <p:nvPr/>
+        </p:nvPicPr>
+        <p:blipFill>
+          <a:blip r:embed="rId3"/>
+          <a:stretch>
+            <a:fillRect/>
+          </a:stretch>
+        </p:blipFill>
+        <p:spPr>
+          <a:xfrm>
+            <a:off x="194501" y="2282439"/>
+            <a:ext cx="4587638" cy="701101"/>
+          </a:xfrm>
+          <a:prstGeom prst="rect">
+            <a:avLst/>
+          </a:prstGeom>
+          <a:ln w="38100" cap="sq">
+            <a:solidFill>
+              <a:srgbClr val="000000"/>
+            </a:solidFill>
+            <a:prstDash val="solid"/>
+            <a:miter lim="800000"/>
+          </a:ln>
+          <a:effectLst>
+            <a:outerShdw blurRad="50800" dist="38100" dir="2700000" algn="tl" rotWithShape="0">
+              <a:srgbClr val="000000">
+                <a:alpha val="43000"/>
+              </a:srgbClr>
+            </a:outerShdw>
+          </a:effectLst>
+        </p:spPr>
+      </p:pic>
+      <p:pic>
+        <p:nvPicPr>
+          <p:cNvPr id="6" name="Picture 5"/>
+          <p:cNvPicPr>
+            <a:picLocks noChangeAspect="1"/>
+          </p:cNvPicPr>
+          <p:nvPr/>
+        </p:nvPicPr>
+        <p:blipFill>
+          <a:blip r:embed="rId4"/>
+          <a:stretch>
+            <a:fillRect/>
+          </a:stretch>
+        </p:blipFill>
+        <p:spPr>
+          <a:xfrm>
+            <a:off x="4912302" y="2210522"/>
+            <a:ext cx="3905127" cy="898525"/>
+          </a:xfrm>
+          <a:prstGeom prst="rect">
+            <a:avLst/>
+          </a:prstGeom>
+          <a:ln w="38100" cap="sq">
+            <a:solidFill>
+              <a:srgbClr val="000000"/>
+            </a:solidFill>
+            <a:prstDash val="solid"/>
+            <a:miter lim="800000"/>
+          </a:ln>
+          <a:effectLst>
+            <a:outerShdw blurRad="50800" dist="38100" dir="2700000" algn="tl" rotWithShape="0">
+              <a:srgbClr val="000000">
+                <a:alpha val="43000"/>
+              </a:srgbClr>
+            </a:outerShdw>
+          </a:effectLst>
+        </p:spPr>
+      </p:pic>
+    </p:spTree>
+  </p:cSld>
+  <p:clrMapOvr>
+    <a:masterClrMapping/>
+  </p:clrMapOvr>
+  <p:timing>
+    <p:tnLst>
+      <p:par>
+        <p:cTn id="1" dur="indefinite" restart="never" nodeType="tmRoot"/>
+      </p:par>
+    </p:tnLst>
+  </p:timing>
 </p:sld>
 </file>
 
@@ -15510,67 +16258,98 @@
           <a:lstStyle/>
           <a:p>
             <a:r>
-              <a:t>Task 1.1: Aggregate App Usage</a:t>
+              <a:t>Task 1.2: EDA &amp; Initial Insights</a:t>
             </a:r>
           </a:p>
         </p:txBody>
       </p:sp>
-      <p:sp>
-        <p:nvSpPr>
-          <p:cNvPr id="3" name="Content Placeholder 2"/>
-          <p:cNvSpPr>
-            <a:spLocks noGrp="1"/>
-          </p:cNvSpPr>
-          <p:nvPr>
-            <p:ph idx="1"/>
-          </p:nvPr>
-        </p:nvSpPr>
-        <p:spPr/>
-        <p:txBody>
-          <a:bodyPr/>
-          <a:lstStyle/>
-          <a:p>
-            <a:r>
-              <a:rPr dirty="0"/>
-              <a:t>📊 For each user, calculated:</a:t>
-            </a:r>
-          </a:p>
-          <a:p>
-            <a:r>
-              <a:rPr dirty="0"/>
-              <a:t>- Total </a:t>
-            </a:r>
-            <a:r>
-              <a:rPr dirty="0" err="1"/>
-              <a:t>xDR</a:t>
-            </a:r>
-            <a:r>
-              <a:rPr dirty="0"/>
-              <a:t> sessions</a:t>
-            </a:r>
-          </a:p>
-          <a:p>
-            <a:r>
-              <a:rPr dirty="0"/>
-              <a:t>- Session duration</a:t>
-            </a:r>
-          </a:p>
-          <a:p>
-            <a:r>
-              <a:rPr dirty="0"/>
-              <a:t>- Upload/Download traffic per app</a:t>
-            </a:r>
-          </a:p>
-          <a:p>
-            <a:endParaRPr dirty="0"/>
-          </a:p>
-        </p:txBody>
-      </p:sp>
+      <p:pic>
+        <p:nvPicPr>
+          <p:cNvPr id="5" name="Picture 4"/>
+          <p:cNvPicPr>
+            <a:picLocks noChangeAspect="1"/>
+          </p:cNvPicPr>
+          <p:nvPr/>
+        </p:nvPicPr>
+        <p:blipFill rotWithShape="1">
+          <a:blip r:embed="rId2"/>
+          <a:srcRect l="-444" t="-3353" r="10302" b="3353"/>
+          <a:stretch/>
+        </p:blipFill>
+        <p:spPr>
+          <a:xfrm>
+            <a:off x="638687" y="2280544"/>
+            <a:ext cx="3784024" cy="3061307"/>
+          </a:xfrm>
+          <a:prstGeom prst="rect">
+            <a:avLst/>
+          </a:prstGeom>
+          <a:ln w="88900" cap="sq" cmpd="thickThin">
+            <a:solidFill>
+              <a:srgbClr val="000000"/>
+            </a:solidFill>
+            <a:prstDash val="solid"/>
+            <a:miter lim="800000"/>
+          </a:ln>
+          <a:effectLst>
+            <a:innerShdw blurRad="76200">
+              <a:srgbClr val="000000"/>
+            </a:innerShdw>
+          </a:effectLst>
+        </p:spPr>
+      </p:pic>
+      <p:pic>
+        <p:nvPicPr>
+          <p:cNvPr id="6" name="Picture 5"/>
+          <p:cNvPicPr>
+            <a:picLocks noChangeAspect="1"/>
+          </p:cNvPicPr>
+          <p:nvPr/>
+        </p:nvPicPr>
+        <p:blipFill rotWithShape="1">
+          <a:blip r:embed="rId3"/>
+          <a:srcRect l="1896" r="6726"/>
+          <a:stretch/>
+        </p:blipFill>
+        <p:spPr>
+          <a:xfrm>
+            <a:off x="4637315" y="2280543"/>
+            <a:ext cx="4163251" cy="3061307"/>
+          </a:xfrm>
+          <a:prstGeom prst="rect">
+            <a:avLst/>
+          </a:prstGeom>
+          <a:ln w="88900" cap="sq" cmpd="thickThin">
+            <a:solidFill>
+              <a:srgbClr val="000000"/>
+            </a:solidFill>
+            <a:prstDash val="solid"/>
+            <a:miter lim="800000"/>
+          </a:ln>
+          <a:effectLst>
+            <a:innerShdw blurRad="76200">
+              <a:srgbClr val="000000"/>
+            </a:innerShdw>
+          </a:effectLst>
+        </p:spPr>
+      </p:pic>
     </p:spTree>
+    <p:extLst>
+      <p:ext uri="{BB962C8B-B14F-4D97-AF65-F5344CB8AC3E}">
+        <p14:creationId xmlns:p14="http://schemas.microsoft.com/office/powerpoint/2010/main" val="3082795552"/>
+      </p:ext>
+    </p:extLst>
   </p:cSld>
   <p:clrMapOvr>
     <a:masterClrMapping/>
   </p:clrMapOvr>
+  <p:timing>
+    <p:tnLst>
+      <p:par>
+        <p:cTn id="1" dur="indefinite" restart="never" nodeType="tmRoot"/>
+      </p:par>
+    </p:tnLst>
+  </p:timing>
 </p:sld>
 </file>
 
@@ -15607,72 +16386,64 @@
           <a:lstStyle/>
           <a:p>
             <a:r>
-              <a:t>Task 1.1: Aggregate App Usage</a:t>
+              <a:t>Task 1.2: EDA &amp; Initial Insights</a:t>
             </a:r>
           </a:p>
         </p:txBody>
       </p:sp>
-      <p:sp>
-        <p:nvSpPr>
-          <p:cNvPr id="3" name="Content Placeholder 2"/>
-          <p:cNvSpPr>
-            <a:spLocks noGrp="1"/>
-          </p:cNvSpPr>
-          <p:nvPr>
-            <p:ph idx="1"/>
-          </p:nvPr>
-        </p:nvSpPr>
-        <p:spPr/>
-        <p:txBody>
-          <a:bodyPr/>
-          <a:lstStyle/>
-          <a:p>
-            <a:r>
-              <a:rPr dirty="0"/>
-              <a:t>📊 For each user, calculated:</a:t>
-            </a:r>
-          </a:p>
-          <a:p>
-            <a:r>
-              <a:rPr dirty="0"/>
-              <a:t>- Total </a:t>
-            </a:r>
-            <a:r>
-              <a:rPr dirty="0" err="1"/>
-              <a:t>xDR</a:t>
-            </a:r>
-            <a:r>
-              <a:rPr dirty="0"/>
-              <a:t> sessions</a:t>
-            </a:r>
-          </a:p>
-          <a:p>
-            <a:r>
-              <a:rPr dirty="0"/>
-              <a:t>- Session duration</a:t>
-            </a:r>
-          </a:p>
-          <a:p>
-            <a:r>
-              <a:rPr dirty="0"/>
-              <a:t>- Upload/Download traffic per app</a:t>
-            </a:r>
-          </a:p>
-          <a:p>
-            <a:endParaRPr dirty="0"/>
-          </a:p>
-        </p:txBody>
-      </p:sp>
+      <p:pic>
+        <p:nvPicPr>
+          <p:cNvPr id="7" name="Picture 6"/>
+          <p:cNvPicPr>
+            <a:picLocks noChangeAspect="1"/>
+          </p:cNvPicPr>
+          <p:nvPr/>
+        </p:nvPicPr>
+        <p:blipFill>
+          <a:blip r:embed="rId2"/>
+          <a:stretch>
+            <a:fillRect/>
+          </a:stretch>
+        </p:blipFill>
+        <p:spPr>
+          <a:xfrm>
+            <a:off x="1199591" y="2210400"/>
+            <a:ext cx="6572810" cy="4245724"/>
+          </a:xfrm>
+          <a:prstGeom prst="rect">
+            <a:avLst/>
+          </a:prstGeom>
+          <a:ln w="88900" cap="sq" cmpd="thickThin">
+            <a:solidFill>
+              <a:srgbClr val="000000"/>
+            </a:solidFill>
+            <a:prstDash val="solid"/>
+            <a:miter lim="800000"/>
+          </a:ln>
+          <a:effectLst>
+            <a:innerShdw blurRad="76200">
+              <a:srgbClr val="000000"/>
+            </a:innerShdw>
+          </a:effectLst>
+        </p:spPr>
+      </p:pic>
     </p:spTree>
     <p:extLst>
       <p:ext uri="{BB962C8B-B14F-4D97-AF65-F5344CB8AC3E}">
-        <p14:creationId xmlns:p14="http://schemas.microsoft.com/office/powerpoint/2010/main" val="53872405"/>
+        <p14:creationId xmlns:p14="http://schemas.microsoft.com/office/powerpoint/2010/main" val="3292286252"/>
       </p:ext>
     </p:extLst>
   </p:cSld>
   <p:clrMapOvr>
     <a:masterClrMapping/>
   </p:clrMapOvr>
+  <p:timing>
+    <p:tnLst>
+      <p:par>
+        <p:cTn id="1" dur="indefinite" restart="never" nodeType="tmRoot"/>
+      </p:par>
+    </p:tnLst>
+  </p:timing>
 </p:sld>
 </file>
 
@@ -15693,6 +16464,41 @@
           <a:chExt cx="0" cy="0"/>
         </a:xfrm>
       </p:grpSpPr>
+      <p:pic>
+        <p:nvPicPr>
+          <p:cNvPr id="4" name="Picture 3"/>
+          <p:cNvPicPr>
+            <a:picLocks noChangeAspect="1"/>
+          </p:cNvPicPr>
+          <p:nvPr/>
+        </p:nvPicPr>
+        <p:blipFill rotWithShape="1">
+          <a:blip r:embed="rId2"/>
+          <a:srcRect b="4262"/>
+          <a:stretch/>
+        </p:blipFill>
+        <p:spPr>
+          <a:xfrm>
+            <a:off x="416507" y="4198552"/>
+            <a:ext cx="8121003" cy="2585276"/>
+          </a:xfrm>
+          <a:prstGeom prst="rect">
+            <a:avLst/>
+          </a:prstGeom>
+          <a:ln w="88900" cap="sq" cmpd="thickThin">
+            <a:solidFill>
+              <a:srgbClr val="000000"/>
+            </a:solidFill>
+            <a:prstDash val="solid"/>
+            <a:miter lim="800000"/>
+          </a:ln>
+          <a:effectLst>
+            <a:innerShdw blurRad="76200">
+              <a:srgbClr val="000000"/>
+            </a:innerShdw>
+          </a:effectLst>
+        </p:spPr>
+      </p:pic>
       <p:sp>
         <p:nvSpPr>
           <p:cNvPr id="2" name="Title 1"/>
@@ -15705,11 +16511,14 @@
         </p:nvSpPr>
         <p:spPr/>
         <p:txBody>
-          <a:bodyPr/>
+          <a:bodyPr>
+            <a:normAutofit fontScale="90000"/>
+          </a:bodyPr>
           <a:lstStyle/>
           <a:p>
             <a:r>
-              <a:t>Task 1.1: Aggregate App Usage</a:t>
+              <a:rPr dirty="0"/>
+              <a:t>Task 2: User Engagement Analysis</a:t>
             </a:r>
           </a:p>
         </p:txBody>
@@ -15724,57 +16533,47 @@
             <p:ph idx="1"/>
           </p:nvPr>
         </p:nvSpPr>
-        <p:spPr/>
+        <p:spPr>
+          <a:xfrm>
+            <a:off x="864382" y="2078654"/>
+            <a:ext cx="6345260" cy="3530600"/>
+          </a:xfrm>
+        </p:spPr>
         <p:txBody>
           <a:bodyPr/>
           <a:lstStyle/>
           <a:p>
             <a:r>
               <a:rPr dirty="0"/>
-              <a:t>📊 For each user, calculated:</a:t>
+              <a:t>📊 Tracked per-user session count, duration, and traffic.</a:t>
             </a:r>
           </a:p>
           <a:p>
             <a:r>
               <a:rPr dirty="0"/>
-              <a:t>- Total </a:t>
-            </a:r>
-            <a:r>
-              <a:rPr dirty="0" err="1"/>
-              <a:t>xDR</a:t>
-            </a:r>
+              <a:t>- Clustered users into 3 groups (High, Medium, Low Engagement).</a:t>
+            </a:r>
+          </a:p>
+          <a:p>
             <a:r>
               <a:rPr dirty="0"/>
-              <a:t> sessions</a:t>
-            </a:r>
-          </a:p>
-          <a:p>
-            <a:r>
-              <a:rPr dirty="0"/>
-              <a:t>- Session duration</a:t>
-            </a:r>
-          </a:p>
-          <a:p>
-            <a:r>
-              <a:rPr dirty="0"/>
-              <a:t>- Upload/Download traffic per app</a:t>
-            </a:r>
-          </a:p>
-          <a:p>
-            <a:endParaRPr dirty="0"/>
+              <a:t>- App-wise usage revealed YouTube and Netflix are top traffic drivers.</a:t>
+            </a:r>
           </a:p>
         </p:txBody>
       </p:sp>
     </p:spTree>
-    <p:extLst>
-      <p:ext uri="{BB962C8B-B14F-4D97-AF65-F5344CB8AC3E}">
-        <p14:creationId xmlns:p14="http://schemas.microsoft.com/office/powerpoint/2010/main" val="466027395"/>
-      </p:ext>
-    </p:extLst>
   </p:cSld>
   <p:clrMapOvr>
     <a:masterClrMapping/>
   </p:clrMapOvr>
+  <p:timing>
+    <p:tnLst>
+      <p:par>
+        <p:cTn id="1" dur="indefinite" restart="never" nodeType="tmRoot"/>
+      </p:par>
+    </p:tnLst>
+  </p:timing>
 </p:sld>
 </file>
 
